--- a/docs/media/cheat-sheet-fault.pptx
+++ b/docs/media/cheat-sheet-fault.pptx
@@ -2124,7 +2124,7 @@
           </a:ln>
           <a:extLst>
             <a:ext uri="{C572A759-6A51-4108-AA02-DFA0A04FC94B}">
-              <ma14:wrappingTextBoxFlag xmlns:ma14="http://schemas.microsoft.com/office/mac/drawingml/2011/main" xmlns:a14="http://schemas.microsoft.com/office/drawing/2010/main" xmlns:m="http://schemas.openxmlformats.org/officeDocument/2006/math" xmlns="" val="1"/>
+              <ma14:wrappingTextBoxFlag xmlns="" xmlns:m="http://schemas.openxmlformats.org/officeDocument/2006/math" xmlns:a14="http://schemas.microsoft.com/office/drawing/2010/main" xmlns:ma14="http://schemas.microsoft.com/office/mac/drawingml/2011/main" val="1"/>
             </a:ext>
           </a:extLst>
         </p:spPr>
@@ -2163,7 +2163,7 @@
           </a:ln>
           <a:extLst>
             <a:ext uri="{C572A759-6A51-4108-AA02-DFA0A04FC94B}">
-              <ma14:wrappingTextBoxFlag xmlns:ma14="http://schemas.microsoft.com/office/mac/drawingml/2011/main" xmlns:a14="http://schemas.microsoft.com/office/drawing/2010/main" xmlns:m="http://schemas.openxmlformats.org/officeDocument/2006/math" xmlns="" val="1"/>
+              <ma14:wrappingTextBoxFlag xmlns="" xmlns:m="http://schemas.openxmlformats.org/officeDocument/2006/math" xmlns:a14="http://schemas.microsoft.com/office/drawing/2010/main" xmlns:ma14="http://schemas.microsoft.com/office/mac/drawingml/2011/main" val="1"/>
             </a:ext>
           </a:extLst>
         </p:spPr>
@@ -3187,7 +3187,7 @@
           </a:ln>
           <a:extLst>
             <a:ext uri="{C572A759-6A51-4108-AA02-DFA0A04FC94B}">
-              <ma14:wrappingTextBoxFlag xmlns:ma14="http://schemas.microsoft.com/office/mac/drawingml/2011/main" xmlns:a14="http://schemas.microsoft.com/office/drawing/2010/main" xmlns:m="http://schemas.openxmlformats.org/officeDocument/2006/math" xmlns="" val="1"/>
+              <ma14:wrappingTextBoxFlag xmlns="" xmlns:m="http://schemas.openxmlformats.org/officeDocument/2006/math" xmlns:a14="http://schemas.microsoft.com/office/drawing/2010/main" xmlns:ma14="http://schemas.microsoft.com/office/mac/drawingml/2011/main" val="1"/>
             </a:ext>
           </a:extLst>
         </p:spPr>
@@ -3236,7 +3236,7 @@
           </a:ln>
           <a:extLst>
             <a:ext uri="{C572A759-6A51-4108-AA02-DFA0A04FC94B}">
-              <ma14:wrappingTextBoxFlag xmlns:ma14="http://schemas.microsoft.com/office/mac/drawingml/2011/main" xmlns:a14="http://schemas.microsoft.com/office/drawing/2010/main" xmlns:m="http://schemas.openxmlformats.org/officeDocument/2006/math" xmlns="" val="1"/>
+              <ma14:wrappingTextBoxFlag xmlns="" xmlns:m="http://schemas.openxmlformats.org/officeDocument/2006/math" xmlns:a14="http://schemas.microsoft.com/office/drawing/2010/main" xmlns:ma14="http://schemas.microsoft.com/office/mac/drawingml/2011/main" val="1"/>
             </a:ext>
           </a:extLst>
         </p:spPr>
@@ -3418,7 +3418,7 @@
           </a:effectLst>
           <a:extLst>
             <a:ext uri="{C572A759-6A51-4108-AA02-DFA0A04FC94B}">
-              <ma14:wrappingTextBoxFlag xmlns:ma14="http://schemas.microsoft.com/office/mac/drawingml/2011/main" xmlns:a14="http://schemas.microsoft.com/office/drawing/2010/main" xmlns:m="http://schemas.openxmlformats.org/officeDocument/2006/math" xmlns="" val="1"/>
+              <ma14:wrappingTextBoxFlag xmlns="" xmlns:m="http://schemas.openxmlformats.org/officeDocument/2006/math" xmlns:a14="http://schemas.microsoft.com/office/drawing/2010/main" xmlns:ma14="http://schemas.microsoft.com/office/mac/drawingml/2011/main" val="1"/>
             </a:ext>
           </a:extLst>
         </p:spPr>
@@ -3486,7 +3486,7 @@
           </a:ln>
           <a:extLst>
             <a:ext uri="{C572A759-6A51-4108-AA02-DFA0A04FC94B}">
-              <ma14:wrappingTextBoxFlag xmlns:ma14="http://schemas.microsoft.com/office/mac/drawingml/2011/main" xmlns:a14="http://schemas.microsoft.com/office/drawing/2010/main" xmlns:m="http://schemas.openxmlformats.org/officeDocument/2006/math" xmlns="" val="1"/>
+              <ma14:wrappingTextBoxFlag xmlns="" xmlns:m="http://schemas.openxmlformats.org/officeDocument/2006/math" xmlns:a14="http://schemas.microsoft.com/office/drawing/2010/main" xmlns:ma14="http://schemas.microsoft.com/office/mac/drawingml/2011/main" val="1"/>
             </a:ext>
           </a:extLst>
         </p:spPr>
@@ -3535,7 +3535,7 @@
           </a:effectLst>
           <a:extLst>
             <a:ext uri="{C572A759-6A51-4108-AA02-DFA0A04FC94B}">
-              <ma14:wrappingTextBoxFlag xmlns:ma14="http://schemas.microsoft.com/office/mac/drawingml/2011/main" xmlns:a14="http://schemas.microsoft.com/office/drawing/2010/main" xmlns:m="http://schemas.openxmlformats.org/officeDocument/2006/math" xmlns="" val="1"/>
+              <ma14:wrappingTextBoxFlag xmlns="" xmlns:m="http://schemas.openxmlformats.org/officeDocument/2006/math" xmlns:a14="http://schemas.microsoft.com/office/drawing/2010/main" xmlns:ma14="http://schemas.microsoft.com/office/mac/drawingml/2011/main" val="1"/>
             </a:ext>
           </a:extLst>
         </p:spPr>
@@ -3603,7 +3603,7 @@
           </a:ln>
           <a:extLst>
             <a:ext uri="{C572A759-6A51-4108-AA02-DFA0A04FC94B}">
-              <ma14:wrappingTextBoxFlag xmlns:ma14="http://schemas.microsoft.com/office/mac/drawingml/2011/main" xmlns:a14="http://schemas.microsoft.com/office/drawing/2010/main" xmlns:m="http://schemas.openxmlformats.org/officeDocument/2006/math" xmlns="" val="1"/>
+              <ma14:wrappingTextBoxFlag xmlns="" xmlns:m="http://schemas.openxmlformats.org/officeDocument/2006/math" xmlns:a14="http://schemas.microsoft.com/office/drawing/2010/main" xmlns:ma14="http://schemas.microsoft.com/office/mac/drawingml/2011/main" val="1"/>
             </a:ext>
           </a:extLst>
         </p:spPr>
@@ -3648,7 +3648,7 @@
           </a:ln>
           <a:extLst>
             <a:ext uri="{C572A759-6A51-4108-AA02-DFA0A04FC94B}">
-              <ma14:wrappingTextBoxFlag xmlns:ma14="http://schemas.microsoft.com/office/mac/drawingml/2011/main" xmlns:a14="http://schemas.microsoft.com/office/drawing/2010/main" xmlns:m="http://schemas.openxmlformats.org/officeDocument/2006/math" xmlns="" val="1"/>
+              <ma14:wrappingTextBoxFlag xmlns="" xmlns:m="http://schemas.openxmlformats.org/officeDocument/2006/math" xmlns:a14="http://schemas.microsoft.com/office/drawing/2010/main" xmlns:ma14="http://schemas.microsoft.com/office/mac/drawingml/2011/main" val="1"/>
             </a:ext>
           </a:extLst>
         </p:spPr>
@@ -3716,7 +3716,7 @@
           </a:ln>
           <a:extLst>
             <a:ext uri="{C572A759-6A51-4108-AA02-DFA0A04FC94B}">
-              <ma14:wrappingTextBoxFlag xmlns:ma14="http://schemas.microsoft.com/office/mac/drawingml/2011/main" xmlns:a14="http://schemas.microsoft.com/office/drawing/2010/main" xmlns:m="http://schemas.openxmlformats.org/officeDocument/2006/math" xmlns="" val="1"/>
+              <ma14:wrappingTextBoxFlag xmlns="" xmlns:m="http://schemas.openxmlformats.org/officeDocument/2006/math" xmlns:a14="http://schemas.microsoft.com/office/drawing/2010/main" xmlns:ma14="http://schemas.microsoft.com/office/mac/drawingml/2011/main" val="1"/>
             </a:ext>
           </a:extLst>
         </p:spPr>
@@ -3792,7 +3792,7 @@
           </a:ln>
           <a:extLst>
             <a:ext uri="{C572A759-6A51-4108-AA02-DFA0A04FC94B}">
-              <ma14:wrappingTextBoxFlag xmlns:ma14="http://schemas.microsoft.com/office/mac/drawingml/2011/main" xmlns:a14="http://schemas.microsoft.com/office/drawing/2010/main" xmlns:m="http://schemas.openxmlformats.org/officeDocument/2006/math" xmlns="" val="1"/>
+              <ma14:wrappingTextBoxFlag xmlns="" xmlns:m="http://schemas.openxmlformats.org/officeDocument/2006/math" xmlns:a14="http://schemas.microsoft.com/office/drawing/2010/main" xmlns:ma14="http://schemas.microsoft.com/office/mac/drawingml/2011/main" val="1"/>
             </a:ext>
           </a:extLst>
         </p:spPr>
@@ -4879,14 +4879,24 @@
           </a:p>
           <a:p>
             <a:r>
-              <a:rPr lang="en-GB" b="0" dirty="0">
-                <a:solidFill>
-                  <a:srgbClr val="000000"/>
-                </a:solidFill>
-                <a:effectLst/>
-                <a:latin typeface="Menlo" panose="020B0609030804020204" pitchFamily="49" charset="0"/>
-              </a:rPr>
-              <a:t>      Exception ex = </a:t>
+              <a:rPr lang="en-GB" b="0">
+                <a:solidFill>
+                  <a:srgbClr val="000000"/>
+                </a:solidFill>
+                <a:effectLst/>
+                <a:latin typeface="Menlo" panose="020B0609030804020204" pitchFamily="49" charset="0"/>
+              </a:rPr>
+              <a:t>      Exception? </a:t>
+            </a:r>
+            <a:r>
+              <a:rPr lang="en-GB" b="0" dirty="0">
+                <a:solidFill>
+                  <a:srgbClr val="000000"/>
+                </a:solidFill>
+                <a:effectLst/>
+                <a:latin typeface="Menlo" panose="020B0609030804020204" pitchFamily="49" charset="0"/>
+              </a:rPr>
+              <a:t>ex = </a:t>
             </a:r>
             <a:r>
               <a:rPr lang="en-GB" b="0" dirty="0" err="1">
